--- a/AQ_ETL_Project.pptx
+++ b/AQ_ETL_Project.pptx
@@ -4693,60 +4693,6 @@
       </p:sp>
       <p:sp>
         <p:nvSpPr>
-          <p:cNvPr id="8" name="Title 1">
-            <a:extLst>
-              <a:ext uri="{FF2B5EF4-FFF2-40B4-BE49-F238E27FC236}">
-                <a16:creationId xmlns:a16="http://schemas.microsoft.com/office/drawing/2014/main" id="{3A08CCE0-0CCC-4F00-9035-C9B528E3BDAC}"/>
-              </a:ext>
-            </a:extLst>
-          </p:cNvPr>
-          <p:cNvSpPr txBox="1">
-            <a:spLocks/>
-          </p:cNvSpPr>
-          <p:nvPr/>
-        </p:nvSpPr>
-        <p:spPr>
-          <a:xfrm>
-            <a:off x="0" y="1209676"/>
-            <a:ext cx="11887200" cy="685800"/>
-          </a:xfrm>
-          <a:prstGeom prst="rect">
-            <a:avLst/>
-          </a:prstGeom>
-        </p:spPr>
-        <p:txBody>
-          <a:bodyPr vert="horz" lIns="91440" tIns="45720" rIns="91440" bIns="45720" rtlCol="0" anchor="b">
-            <a:noAutofit/>
-          </a:bodyPr>
-          <a:lstStyle>
-            <a:lvl1pPr algn="l" defTabSz="914400" rtl="0" eaLnBrk="1" latinLnBrk="0" hangingPunct="1">
-              <a:lnSpc>
-                <a:spcPct val="90000"/>
-              </a:lnSpc>
-              <a:spcBef>
-                <a:spcPct val="0"/>
-              </a:spcBef>
-              <a:buNone/>
-              <a:defRPr sz="4700" i="0" kern="1200" spc="-50" baseline="0">
-                <a:solidFill>
-                  <a:schemeClr val="tx1">
-                    <a:lumMod val="75000"/>
-                    <a:lumOff val="25000"/>
-                  </a:schemeClr>
-                </a:solidFill>
-                <a:latin typeface="+mj-lt"/>
-                <a:ea typeface="+mj-ea"/>
-                <a:cs typeface="+mj-cs"/>
-              </a:defRPr>
-            </a:lvl1pPr>
-          </a:lstStyle>
-          <a:p>
-            <a:endParaRPr lang="en-US" sz="2800" dirty="0"/>
-          </a:p>
-        </p:txBody>
-      </p:sp>
-      <p:sp>
-        <p:nvSpPr>
           <p:cNvPr id="3" name="TextBox 2">
             <a:extLst>
               <a:ext uri="{FF2B5EF4-FFF2-40B4-BE49-F238E27FC236}">
@@ -4759,8 +4705,8 @@
         </p:nvSpPr>
         <p:spPr>
           <a:xfrm>
-            <a:off x="247650" y="1902588"/>
-            <a:ext cx="11696700" cy="1323439"/>
+            <a:off x="400050" y="1475096"/>
+            <a:ext cx="11696700" cy="1200329"/>
           </a:xfrm>
           <a:prstGeom prst="rect">
             <a:avLst/>
@@ -4778,8 +4724,8 @@
               <a:buChar char="q"/>
             </a:pPr>
             <a:r>
-              <a:rPr lang="en-US" sz="2000" dirty="0"/>
-              <a:t>It is a fact, that unemployment numbers are now at the minimum rate in the history nationally speaking. However, my principal  motivation in addition to the technical aspect of the entire ETL process with this project was to compare the possible variations by year between unemployment rates at national level versus  unemployment rates at Miami - Fort Lauderdale – West Palm Beach area.</a:t>
+              <a:rPr lang="en-US" dirty="0"/>
+              <a:t>Compare the possible variations by year between unemployment rates averages by year at national level versus  unemployment rates at Miami - Fort Lauderdale – West Palm Beach area. According to the comparison graph below, there was a period from 2009 to 2012 were we can observe a significant variation between National and Miami area unemployment rates (Miami above National). However, since 2012  up to 2019 the variations look very stable (even).</a:t>
             </a:r>
           </a:p>
         </p:txBody>
@@ -4808,6 +4754,81 @@
           <a:xfrm>
             <a:off x="10304462" y="5145404"/>
             <a:ext cx="1333411" cy="1005840"/>
+          </a:xfrm>
+          <a:prstGeom prst="rect">
+            <a:avLst/>
+          </a:prstGeom>
+        </p:spPr>
+      </p:pic>
+      <p:sp>
+        <p:nvSpPr>
+          <p:cNvPr id="12" name="TextBox 11">
+            <a:extLst>
+              <a:ext uri="{FF2B5EF4-FFF2-40B4-BE49-F238E27FC236}">
+                <a16:creationId xmlns:a16="http://schemas.microsoft.com/office/drawing/2014/main" id="{EBE4BC2B-7013-4B72-9911-B5B90E03A6BF}"/>
+              </a:ext>
+            </a:extLst>
+          </p:cNvPr>
+          <p:cNvSpPr txBox="1"/>
+          <p:nvPr/>
+        </p:nvSpPr>
+        <p:spPr>
+          <a:xfrm>
+            <a:off x="400050" y="1105764"/>
+            <a:ext cx="10763250" cy="369332"/>
+          </a:xfrm>
+          <a:prstGeom prst="rect">
+            <a:avLst/>
+          </a:prstGeom>
+          <a:noFill/>
+        </p:spPr>
+        <p:txBody>
+          <a:bodyPr wrap="square" rtlCol="0">
+            <a:spAutoFit/>
+          </a:bodyPr>
+          <a:lstStyle/>
+          <a:p>
+            <a:pPr marL="285750" indent="-285750">
+              <a:buFont typeface="Wingdings" panose="05000000000000000000" pitchFamily="2" charset="2"/>
+              <a:buChar char="q"/>
+            </a:pPr>
+            <a:r>
+              <a:rPr lang="en-US" dirty="0"/>
+              <a:t>Practice the execution of the entire ETL process </a:t>
+            </a:r>
+          </a:p>
+        </p:txBody>
+      </p:sp>
+      <p:pic>
+        <p:nvPicPr>
+          <p:cNvPr id="14" name="Picture 13">
+            <a:extLst>
+              <a:ext uri="{FF2B5EF4-FFF2-40B4-BE49-F238E27FC236}">
+                <a16:creationId xmlns:a16="http://schemas.microsoft.com/office/drawing/2014/main" id="{AACBDA21-B095-40B6-9EA7-553E230B2616}"/>
+              </a:ext>
+            </a:extLst>
+          </p:cNvPr>
+          <p:cNvPicPr>
+            <a:picLocks noChangeAspect="1"/>
+          </p:cNvPicPr>
+          <p:nvPr/>
+        </p:nvPicPr>
+        <p:blipFill>
+          <a:blip r:embed="rId3">
+            <a:extLst>
+              <a:ext uri="{28A0092B-C50C-407E-A947-70E740481C1C}">
+                <a14:useLocalDpi xmlns:a14="http://schemas.microsoft.com/office/drawing/2010/main" val="0"/>
+              </a:ext>
+            </a:extLst>
+          </a:blip>
+          <a:stretch>
+            <a:fillRect/>
+          </a:stretch>
+        </p:blipFill>
+        <p:spPr>
+          <a:xfrm>
+            <a:off x="1905000" y="2767964"/>
+            <a:ext cx="7342799" cy="3474720"/>
           </a:xfrm>
           <a:prstGeom prst="rect">
             <a:avLst/>

--- a/AQ_ETL_Project.pptx
+++ b/AQ_ETL_Project.pptx
@@ -4725,7 +4725,7 @@
             </a:pPr>
             <a:r>
               <a:rPr lang="en-US" dirty="0"/>
-              <a:t>Compare the possible variations by year between unemployment rates averages by year at national level versus  unemployment rates at Miami - Fort Lauderdale – West Palm Beach area. According to the comparison graph below, there was a period from 2009 to 2012 were we can observe a significant variation between National and Miami area unemployment rates (Miami above National). However, since 2012  up to 2019 the variations look very stable (even).</a:t>
+              <a:t>Compare the possible variations between unemployment rates averages by year at national level versus  unemployment rates at Miami - Fort Lauderdale – West Palm Beach area. According to the comparison graph below, there was a period from 2009 to 2012 were we can observe a significant variation between National and Miami area unemployment rates (Miami above National). However, since 2012  up to 2019 the variations look very stable (even).</a:t>
             </a:r>
           </a:p>
         </p:txBody>
